--- a/SdS-TP6-G5_Presentación.pptx
+++ b/SdS-TP6-G5_Presentación.pptx
@@ -26008,6 +26008,57 @@
               <a:sym typeface="Consolas"/>
             </a:endParaRPr>
           </a:p>
+          <a:p>
+            <a:pPr indent="0" lvl="0" marL="0" rtl="0">
+              <a:spcBef>
+                <a:spcPts val="0"/>
+              </a:spcBef>
+              <a:spcAft>
+                <a:spcPts val="0"/>
+              </a:spcAft>
+              <a:buNone/>
+            </a:pPr>
+            <a:r>
+              <a:t/>
+            </a:r>
+            <a:endParaRPr b="1" sz="1400">
+              <a:latin typeface="Consolas"/>
+              <a:ea typeface="Consolas"/>
+              <a:cs typeface="Consolas"/>
+              <a:sym typeface="Consolas"/>
+            </a:endParaRPr>
+          </a:p>
+          <a:p>
+            <a:pPr indent="0" lvl="0" marL="0" rtl="0">
+              <a:spcBef>
+                <a:spcPts val="0"/>
+              </a:spcBef>
+              <a:spcAft>
+                <a:spcPts val="0"/>
+              </a:spcAft>
+              <a:buClr>
+                <a:schemeClr val="dk1"/>
+              </a:buClr>
+              <a:buSzPts val="1100"/>
+              <a:buFont typeface="Arial"/>
+              <a:buNone/>
+            </a:pPr>
+            <a:r>
+              <a:rPr b="1" lang="en-GB" sz="1400">
+                <a:latin typeface="Consolas"/>
+                <a:ea typeface="Consolas"/>
+                <a:cs typeface="Consolas"/>
+                <a:sym typeface="Consolas"/>
+              </a:rPr>
+              <a:t>Es el promedio de hacer 3 simulaciones con distintos generadores.</a:t>
+            </a:r>
+            <a:endParaRPr b="1" sz="1400">
+              <a:latin typeface="Consolas"/>
+              <a:ea typeface="Consolas"/>
+              <a:cs typeface="Consolas"/>
+              <a:sym typeface="Consolas"/>
+            </a:endParaRPr>
+          </a:p>
         </p:txBody>
       </p:sp>
       <p:sp>
@@ -26532,6 +26583,52 @@
               <a:sym typeface="Consolas"/>
             </a:endParaRPr>
           </a:p>
+          <a:p>
+            <a:pPr indent="0" lvl="0" marL="0" rtl="0">
+              <a:spcBef>
+                <a:spcPts val="0"/>
+              </a:spcBef>
+              <a:spcAft>
+                <a:spcPts val="0"/>
+              </a:spcAft>
+              <a:buNone/>
+            </a:pPr>
+            <a:r>
+              <a:t/>
+            </a:r>
+            <a:endParaRPr b="1" sz="1400">
+              <a:latin typeface="Consolas"/>
+              <a:ea typeface="Consolas"/>
+              <a:cs typeface="Consolas"/>
+              <a:sym typeface="Consolas"/>
+            </a:endParaRPr>
+          </a:p>
+          <a:p>
+            <a:pPr indent="0" lvl="0" marL="0" rtl="0">
+              <a:spcBef>
+                <a:spcPts val="0"/>
+              </a:spcBef>
+              <a:spcAft>
+                <a:spcPts val="0"/>
+              </a:spcAft>
+              <a:buNone/>
+            </a:pPr>
+            <a:r>
+              <a:rPr b="1" lang="en-GB" sz="1400">
+                <a:latin typeface="Consolas"/>
+                <a:ea typeface="Consolas"/>
+                <a:cs typeface="Consolas"/>
+                <a:sym typeface="Consolas"/>
+              </a:rPr>
+              <a:t>Es el promedio de hacer 3 simulaciones con distintos generadores.</a:t>
+            </a:r>
+            <a:endParaRPr b="1" sz="1400">
+              <a:latin typeface="Consolas"/>
+              <a:ea typeface="Consolas"/>
+              <a:cs typeface="Consolas"/>
+              <a:sym typeface="Consolas"/>
+            </a:endParaRPr>
+          </a:p>
         </p:txBody>
       </p:sp>
       <p:sp>
@@ -27056,6 +27153,57 @@
               <a:sym typeface="Consolas"/>
             </a:endParaRPr>
           </a:p>
+          <a:p>
+            <a:pPr indent="0" lvl="0" marL="0" rtl="0">
+              <a:spcBef>
+                <a:spcPts val="0"/>
+              </a:spcBef>
+              <a:spcAft>
+                <a:spcPts val="0"/>
+              </a:spcAft>
+              <a:buNone/>
+            </a:pPr>
+            <a:r>
+              <a:t/>
+            </a:r>
+            <a:endParaRPr b="1" sz="1400">
+              <a:latin typeface="Consolas"/>
+              <a:ea typeface="Consolas"/>
+              <a:cs typeface="Consolas"/>
+              <a:sym typeface="Consolas"/>
+            </a:endParaRPr>
+          </a:p>
+          <a:p>
+            <a:pPr indent="0" lvl="0" marL="0" rtl="0">
+              <a:spcBef>
+                <a:spcPts val="0"/>
+              </a:spcBef>
+              <a:spcAft>
+                <a:spcPts val="0"/>
+              </a:spcAft>
+              <a:buClr>
+                <a:schemeClr val="dk1"/>
+              </a:buClr>
+              <a:buSzPts val="1100"/>
+              <a:buFont typeface="Arial"/>
+              <a:buNone/>
+            </a:pPr>
+            <a:r>
+              <a:rPr b="1" lang="en-GB" sz="1400">
+                <a:latin typeface="Consolas"/>
+                <a:ea typeface="Consolas"/>
+                <a:cs typeface="Consolas"/>
+                <a:sym typeface="Consolas"/>
+              </a:rPr>
+              <a:t>Es el promedio de hacer 3 simulaciones con distintos generadores.</a:t>
+            </a:r>
+            <a:endParaRPr b="1" sz="1400">
+              <a:latin typeface="Consolas"/>
+              <a:ea typeface="Consolas"/>
+              <a:cs typeface="Consolas"/>
+              <a:sym typeface="Consolas"/>
+            </a:endParaRPr>
+          </a:p>
         </p:txBody>
       </p:sp>
       <p:sp>
@@ -27580,6 +27728,57 @@
               <a:sym typeface="Consolas"/>
             </a:endParaRPr>
           </a:p>
+          <a:p>
+            <a:pPr indent="0" lvl="0" marL="0" rtl="0">
+              <a:spcBef>
+                <a:spcPts val="0"/>
+              </a:spcBef>
+              <a:spcAft>
+                <a:spcPts val="0"/>
+              </a:spcAft>
+              <a:buNone/>
+            </a:pPr>
+            <a:r>
+              <a:t/>
+            </a:r>
+            <a:endParaRPr b="1" sz="1400">
+              <a:latin typeface="Consolas"/>
+              <a:ea typeface="Consolas"/>
+              <a:cs typeface="Consolas"/>
+              <a:sym typeface="Consolas"/>
+            </a:endParaRPr>
+          </a:p>
+          <a:p>
+            <a:pPr indent="0" lvl="0" marL="0" rtl="0">
+              <a:spcBef>
+                <a:spcPts val="0"/>
+              </a:spcBef>
+              <a:spcAft>
+                <a:spcPts val="0"/>
+              </a:spcAft>
+              <a:buClr>
+                <a:schemeClr val="dk1"/>
+              </a:buClr>
+              <a:buSzPts val="1100"/>
+              <a:buFont typeface="Arial"/>
+              <a:buNone/>
+            </a:pPr>
+            <a:r>
+              <a:rPr b="1" lang="en-GB" sz="1400">
+                <a:latin typeface="Consolas"/>
+                <a:ea typeface="Consolas"/>
+                <a:cs typeface="Consolas"/>
+                <a:sym typeface="Consolas"/>
+              </a:rPr>
+              <a:t>Es el promedio de hacer 3 simulaciones con distintos generadores.</a:t>
+            </a:r>
+            <a:endParaRPr b="1" sz="1400">
+              <a:latin typeface="Consolas"/>
+              <a:ea typeface="Consolas"/>
+              <a:cs typeface="Consolas"/>
+              <a:sym typeface="Consolas"/>
+            </a:endParaRPr>
+          </a:p>
         </p:txBody>
       </p:sp>
       <p:sp>
@@ -28104,6 +28303,57 @@
               <a:sym typeface="Consolas"/>
             </a:endParaRPr>
           </a:p>
+          <a:p>
+            <a:pPr indent="0" lvl="0" marL="0" rtl="0">
+              <a:spcBef>
+                <a:spcPts val="0"/>
+              </a:spcBef>
+              <a:spcAft>
+                <a:spcPts val="0"/>
+              </a:spcAft>
+              <a:buNone/>
+            </a:pPr>
+            <a:r>
+              <a:t/>
+            </a:r>
+            <a:endParaRPr b="1" sz="1400">
+              <a:latin typeface="Consolas"/>
+              <a:ea typeface="Consolas"/>
+              <a:cs typeface="Consolas"/>
+              <a:sym typeface="Consolas"/>
+            </a:endParaRPr>
+          </a:p>
+          <a:p>
+            <a:pPr indent="0" lvl="0" marL="0" rtl="0">
+              <a:spcBef>
+                <a:spcPts val="0"/>
+              </a:spcBef>
+              <a:spcAft>
+                <a:spcPts val="0"/>
+              </a:spcAft>
+              <a:buClr>
+                <a:schemeClr val="dk1"/>
+              </a:buClr>
+              <a:buSzPts val="1100"/>
+              <a:buFont typeface="Arial"/>
+              <a:buNone/>
+            </a:pPr>
+            <a:r>
+              <a:rPr b="1" lang="en-GB" sz="1400">
+                <a:latin typeface="Consolas"/>
+                <a:ea typeface="Consolas"/>
+                <a:cs typeface="Consolas"/>
+                <a:sym typeface="Consolas"/>
+              </a:rPr>
+              <a:t>Es el promedio de hacer 3 simulaciones con distintos generadores.</a:t>
+            </a:r>
+            <a:endParaRPr b="1" sz="1400">
+              <a:latin typeface="Consolas"/>
+              <a:ea typeface="Consolas"/>
+              <a:cs typeface="Consolas"/>
+              <a:sym typeface="Consolas"/>
+            </a:endParaRPr>
+          </a:p>
         </p:txBody>
       </p:sp>
       <p:sp>
@@ -28672,6 +28922,57 @@
                 <a:sym typeface="Consolas"/>
               </a:rPr>
               <a:t>}</a:t>
+            </a:r>
+            <a:endParaRPr b="1" sz="1400">
+              <a:latin typeface="Consolas"/>
+              <a:ea typeface="Consolas"/>
+              <a:cs typeface="Consolas"/>
+              <a:sym typeface="Consolas"/>
+            </a:endParaRPr>
+          </a:p>
+          <a:p>
+            <a:pPr indent="0" lvl="0" marL="0" rtl="0">
+              <a:spcBef>
+                <a:spcPts val="0"/>
+              </a:spcBef>
+              <a:spcAft>
+                <a:spcPts val="0"/>
+              </a:spcAft>
+              <a:buNone/>
+            </a:pPr>
+            <a:r>
+              <a:t/>
+            </a:r>
+            <a:endParaRPr b="1" sz="1400">
+              <a:latin typeface="Consolas"/>
+              <a:ea typeface="Consolas"/>
+              <a:cs typeface="Consolas"/>
+              <a:sym typeface="Consolas"/>
+            </a:endParaRPr>
+          </a:p>
+          <a:p>
+            <a:pPr indent="0" lvl="0" marL="0" rtl="0">
+              <a:spcBef>
+                <a:spcPts val="0"/>
+              </a:spcBef>
+              <a:spcAft>
+                <a:spcPts val="0"/>
+              </a:spcAft>
+              <a:buClr>
+                <a:schemeClr val="dk1"/>
+              </a:buClr>
+              <a:buSzPts val="1100"/>
+              <a:buFont typeface="Arial"/>
+              <a:buNone/>
+            </a:pPr>
+            <a:r>
+              <a:rPr b="1" lang="en-GB" sz="1400">
+                <a:latin typeface="Consolas"/>
+                <a:ea typeface="Consolas"/>
+                <a:cs typeface="Consolas"/>
+                <a:sym typeface="Consolas"/>
+              </a:rPr>
+              <a:t>Es el promedio de hacer 3 simulaciones con distintos generadores.</a:t>
             </a:r>
             <a:endParaRPr b="1" sz="1400">
               <a:latin typeface="Consolas"/>
@@ -29324,6 +29625,57 @@
                 <a:sym typeface="Consolas"/>
               </a:rPr>
               <a:t>}</a:t>
+            </a:r>
+            <a:endParaRPr b="1" sz="1400">
+              <a:latin typeface="Consolas"/>
+              <a:ea typeface="Consolas"/>
+              <a:cs typeface="Consolas"/>
+              <a:sym typeface="Consolas"/>
+            </a:endParaRPr>
+          </a:p>
+          <a:p>
+            <a:pPr indent="0" lvl="0" marL="0" rtl="0">
+              <a:spcBef>
+                <a:spcPts val="0"/>
+              </a:spcBef>
+              <a:spcAft>
+                <a:spcPts val="0"/>
+              </a:spcAft>
+              <a:buNone/>
+            </a:pPr>
+            <a:r>
+              <a:t/>
+            </a:r>
+            <a:endParaRPr b="1" sz="1400">
+              <a:latin typeface="Consolas"/>
+              <a:ea typeface="Consolas"/>
+              <a:cs typeface="Consolas"/>
+              <a:sym typeface="Consolas"/>
+            </a:endParaRPr>
+          </a:p>
+          <a:p>
+            <a:pPr indent="0" lvl="0" marL="0" rtl="0">
+              <a:spcBef>
+                <a:spcPts val="0"/>
+              </a:spcBef>
+              <a:spcAft>
+                <a:spcPts val="0"/>
+              </a:spcAft>
+              <a:buClr>
+                <a:schemeClr val="dk1"/>
+              </a:buClr>
+              <a:buSzPts val="1100"/>
+              <a:buFont typeface="Arial"/>
+              <a:buNone/>
+            </a:pPr>
+            <a:r>
+              <a:rPr b="1" lang="en-GB" sz="1400">
+                <a:latin typeface="Consolas"/>
+                <a:ea typeface="Consolas"/>
+                <a:cs typeface="Consolas"/>
+                <a:sym typeface="Consolas"/>
+              </a:rPr>
+              <a:t>Es el promedio de hacer 3 simulaciones con distintos generadores.</a:t>
             </a:r>
             <a:endParaRPr b="1" sz="1400">
               <a:latin typeface="Consolas"/>
@@ -30350,6 +30702,52 @@
               <a:spcAft>
                 <a:spcPts val="0"/>
               </a:spcAft>
+              <a:buNone/>
+            </a:pPr>
+            <a:r>
+              <a:rPr b="1" lang="en-GB" sz="1400">
+                <a:latin typeface="Consolas"/>
+                <a:ea typeface="Consolas"/>
+                <a:cs typeface="Consolas"/>
+                <a:sym typeface="Consolas"/>
+              </a:rPr>
+              <a:t>}</a:t>
+            </a:r>
+            <a:endParaRPr b="1" sz="1400">
+              <a:latin typeface="Consolas"/>
+              <a:ea typeface="Consolas"/>
+              <a:cs typeface="Consolas"/>
+              <a:sym typeface="Consolas"/>
+            </a:endParaRPr>
+          </a:p>
+          <a:p>
+            <a:pPr indent="0" lvl="0" marL="0" rtl="0">
+              <a:spcBef>
+                <a:spcPts val="0"/>
+              </a:spcBef>
+              <a:spcAft>
+                <a:spcPts val="0"/>
+              </a:spcAft>
+              <a:buNone/>
+            </a:pPr>
+            <a:r>
+              <a:t/>
+            </a:r>
+            <a:endParaRPr b="1" sz="1400">
+              <a:latin typeface="Consolas"/>
+              <a:ea typeface="Consolas"/>
+              <a:cs typeface="Consolas"/>
+              <a:sym typeface="Consolas"/>
+            </a:endParaRPr>
+          </a:p>
+          <a:p>
+            <a:pPr indent="0" lvl="0" marL="0" rtl="0">
+              <a:spcBef>
+                <a:spcPts val="0"/>
+              </a:spcBef>
+              <a:spcAft>
+                <a:spcPts val="0"/>
+              </a:spcAft>
               <a:buClr>
                 <a:schemeClr val="dk1"/>
               </a:buClr>
@@ -30364,7 +30762,7 @@
                 <a:cs typeface="Consolas"/>
                 <a:sym typeface="Consolas"/>
               </a:rPr>
-              <a:t>}</a:t>
+              <a:t>Es el promedio de hacer 3 simulaciones con distintos generadores.</a:t>
             </a:r>
             <a:endParaRPr b="1" sz="1400">
               <a:latin typeface="Consolas"/>
@@ -30897,6 +31295,57 @@
               <a:sym typeface="Consolas"/>
             </a:endParaRPr>
           </a:p>
+          <a:p>
+            <a:pPr indent="0" lvl="0" marL="0" rtl="0">
+              <a:spcBef>
+                <a:spcPts val="0"/>
+              </a:spcBef>
+              <a:spcAft>
+                <a:spcPts val="0"/>
+              </a:spcAft>
+              <a:buNone/>
+            </a:pPr>
+            <a:r>
+              <a:t/>
+            </a:r>
+            <a:endParaRPr b="1" sz="1400">
+              <a:latin typeface="Consolas"/>
+              <a:ea typeface="Consolas"/>
+              <a:cs typeface="Consolas"/>
+              <a:sym typeface="Consolas"/>
+            </a:endParaRPr>
+          </a:p>
+          <a:p>
+            <a:pPr indent="0" lvl="0" marL="0" rtl="0">
+              <a:spcBef>
+                <a:spcPts val="0"/>
+              </a:spcBef>
+              <a:spcAft>
+                <a:spcPts val="0"/>
+              </a:spcAft>
+              <a:buClr>
+                <a:schemeClr val="dk1"/>
+              </a:buClr>
+              <a:buSzPts val="1100"/>
+              <a:buFont typeface="Arial"/>
+              <a:buNone/>
+            </a:pPr>
+            <a:r>
+              <a:rPr b="1" lang="en-GB" sz="1400">
+                <a:latin typeface="Consolas"/>
+                <a:ea typeface="Consolas"/>
+                <a:cs typeface="Consolas"/>
+                <a:sym typeface="Consolas"/>
+              </a:rPr>
+              <a:t>Es el promedio de hacer 3 simulaciones con distintos generadores.</a:t>
+            </a:r>
+            <a:endParaRPr b="1" sz="1400">
+              <a:latin typeface="Consolas"/>
+              <a:ea typeface="Consolas"/>
+              <a:cs typeface="Consolas"/>
+              <a:sym typeface="Consolas"/>
+            </a:endParaRPr>
+          </a:p>
         </p:txBody>
       </p:sp>
     </p:spTree>
@@ -31421,6 +31870,57 @@
               <a:sym typeface="Consolas"/>
             </a:endParaRPr>
           </a:p>
+          <a:p>
+            <a:pPr indent="0" lvl="0" marL="0" rtl="0">
+              <a:spcBef>
+                <a:spcPts val="0"/>
+              </a:spcBef>
+              <a:spcAft>
+                <a:spcPts val="0"/>
+              </a:spcAft>
+              <a:buNone/>
+            </a:pPr>
+            <a:r>
+              <a:t/>
+            </a:r>
+            <a:endParaRPr b="1" sz="1400">
+              <a:latin typeface="Consolas"/>
+              <a:ea typeface="Consolas"/>
+              <a:cs typeface="Consolas"/>
+              <a:sym typeface="Consolas"/>
+            </a:endParaRPr>
+          </a:p>
+          <a:p>
+            <a:pPr indent="0" lvl="0" marL="0" rtl="0">
+              <a:spcBef>
+                <a:spcPts val="0"/>
+              </a:spcBef>
+              <a:spcAft>
+                <a:spcPts val="0"/>
+              </a:spcAft>
+              <a:buClr>
+                <a:schemeClr val="dk1"/>
+              </a:buClr>
+              <a:buSzPts val="1100"/>
+              <a:buFont typeface="Arial"/>
+              <a:buNone/>
+            </a:pPr>
+            <a:r>
+              <a:rPr b="1" lang="en-GB" sz="1400">
+                <a:latin typeface="Consolas"/>
+                <a:ea typeface="Consolas"/>
+                <a:cs typeface="Consolas"/>
+                <a:sym typeface="Consolas"/>
+              </a:rPr>
+              <a:t>Es el promedio de hacer 3 simulaciones con distintos generadores.</a:t>
+            </a:r>
+            <a:endParaRPr b="1" sz="1400">
+              <a:latin typeface="Consolas"/>
+              <a:ea typeface="Consolas"/>
+              <a:cs typeface="Consolas"/>
+              <a:sym typeface="Consolas"/>
+            </a:endParaRPr>
+          </a:p>
         </p:txBody>
       </p:sp>
     </p:spTree>
@@ -31945,6 +32445,57 @@
               <a:sym typeface="Consolas"/>
             </a:endParaRPr>
           </a:p>
+          <a:p>
+            <a:pPr indent="0" lvl="0" marL="0" rtl="0">
+              <a:spcBef>
+                <a:spcPts val="0"/>
+              </a:spcBef>
+              <a:spcAft>
+                <a:spcPts val="0"/>
+              </a:spcAft>
+              <a:buNone/>
+            </a:pPr>
+            <a:r>
+              <a:t/>
+            </a:r>
+            <a:endParaRPr b="1" sz="1400">
+              <a:latin typeface="Consolas"/>
+              <a:ea typeface="Consolas"/>
+              <a:cs typeface="Consolas"/>
+              <a:sym typeface="Consolas"/>
+            </a:endParaRPr>
+          </a:p>
+          <a:p>
+            <a:pPr indent="0" lvl="0" marL="0" rtl="0">
+              <a:spcBef>
+                <a:spcPts val="0"/>
+              </a:spcBef>
+              <a:spcAft>
+                <a:spcPts val="0"/>
+              </a:spcAft>
+              <a:buClr>
+                <a:schemeClr val="dk1"/>
+              </a:buClr>
+              <a:buSzPts val="1100"/>
+              <a:buFont typeface="Arial"/>
+              <a:buNone/>
+            </a:pPr>
+            <a:r>
+              <a:rPr b="1" lang="en-GB" sz="1400">
+                <a:latin typeface="Consolas"/>
+                <a:ea typeface="Consolas"/>
+                <a:cs typeface="Consolas"/>
+                <a:sym typeface="Consolas"/>
+              </a:rPr>
+              <a:t>Es el promedio de hacer 3 simulaciones con distintos generadores.</a:t>
+            </a:r>
+            <a:endParaRPr b="1" sz="1400">
+              <a:latin typeface="Consolas"/>
+              <a:ea typeface="Consolas"/>
+              <a:cs typeface="Consolas"/>
+              <a:sym typeface="Consolas"/>
+            </a:endParaRPr>
+          </a:p>
         </p:txBody>
       </p:sp>
     </p:spTree>
@@ -32513,6 +33064,57 @@
                 <a:sym typeface="Consolas"/>
               </a:rPr>
               <a:t>}</a:t>
+            </a:r>
+            <a:endParaRPr b="1" sz="1400">
+              <a:latin typeface="Consolas"/>
+              <a:ea typeface="Consolas"/>
+              <a:cs typeface="Consolas"/>
+              <a:sym typeface="Consolas"/>
+            </a:endParaRPr>
+          </a:p>
+          <a:p>
+            <a:pPr indent="0" lvl="0" marL="0" rtl="0">
+              <a:spcBef>
+                <a:spcPts val="0"/>
+              </a:spcBef>
+              <a:spcAft>
+                <a:spcPts val="0"/>
+              </a:spcAft>
+              <a:buNone/>
+            </a:pPr>
+            <a:r>
+              <a:t/>
+            </a:r>
+            <a:endParaRPr b="1" sz="1400">
+              <a:latin typeface="Consolas"/>
+              <a:ea typeface="Consolas"/>
+              <a:cs typeface="Consolas"/>
+              <a:sym typeface="Consolas"/>
+            </a:endParaRPr>
+          </a:p>
+          <a:p>
+            <a:pPr indent="0" lvl="0" marL="0" rtl="0">
+              <a:spcBef>
+                <a:spcPts val="0"/>
+              </a:spcBef>
+              <a:spcAft>
+                <a:spcPts val="0"/>
+              </a:spcAft>
+              <a:buClr>
+                <a:schemeClr val="dk1"/>
+              </a:buClr>
+              <a:buSzPts val="1100"/>
+              <a:buFont typeface="Arial"/>
+              <a:buNone/>
+            </a:pPr>
+            <a:r>
+              <a:rPr b="1" lang="en-GB" sz="1400">
+                <a:latin typeface="Consolas"/>
+                <a:ea typeface="Consolas"/>
+                <a:cs typeface="Consolas"/>
+                <a:sym typeface="Consolas"/>
+              </a:rPr>
+              <a:t>Es el promedio de hacer 3 simulaciones con distintos generadores.</a:t>
             </a:r>
             <a:endParaRPr b="1" sz="1400">
               <a:latin typeface="Consolas"/>
@@ -32631,7 +33233,7 @@
             <a:tbl>
               <a:tblPr>
                 <a:noFill/>
-                <a:tableStyleId>{721DC2EA-06DF-4EDD-A937-97CAB3344743}</a:tableStyleId>
+                <a:tableStyleId>{EF24C131-5774-4F29-87D6-18BC6AC0F964}</a:tableStyleId>
               </a:tblPr>
               <a:tblGrid>
                 <a:gridCol w="1270400"/>
@@ -33671,7 +34273,7 @@
             <a:tbl>
               <a:tblPr>
                 <a:noFill/>
-                <a:tableStyleId>{721DC2EA-06DF-4EDD-A937-97CAB3344743}</a:tableStyleId>
+                <a:tableStyleId>{EF24C131-5774-4F29-87D6-18BC6AC0F964}</a:tableStyleId>
               </a:tblPr>
               <a:tblGrid>
                 <a:gridCol w="1215675"/>
